--- a/ASP.NET Core MVC.pptx
+++ b/ASP.NET Core MVC.pptx
@@ -5,13 +5,14 @@
     <p:sldMasterId id="2147483648" r:id="rId5"/>
   </p:sldMasterIdLst>
   <p:notesMasterIdLst>
-    <p:notesMasterId r:id="rId10"/>
+    <p:notesMasterId r:id="rId11"/>
   </p:notesMasterIdLst>
   <p:sldIdLst>
     <p:sldId id="257" r:id="rId6"/>
     <p:sldId id="276" r:id="rId7"/>
     <p:sldId id="283" r:id="rId8"/>
-    <p:sldId id="282" r:id="rId9"/>
+    <p:sldId id="284" r:id="rId9"/>
+    <p:sldId id="282" r:id="rId10"/>
   </p:sldIdLst>
   <p:sldSz cx="12192000" cy="6858000"/>
   <p:notesSz cx="6858000" cy="9144000"/>
@@ -211,7 +212,7 @@
           <a:p>
             <a:fld id="{0AEFB4FA-E877-413E-B608-88789D806C57}" type="datetimeFigureOut">
               <a:rPr lang="en-IN" smtClean="0"/>
-              <a:t>01-01-2019</a:t>
+              <a:t>02-01-2019</a:t>
             </a:fld>
             <a:endParaRPr lang="en-IN" dirty="0"/>
           </a:p>
@@ -16152,7 +16153,7 @@
           <a:p>
             <a:fld id="{D951F27F-98F9-A147-8986-34441C7B752D}" type="datetime1">
               <a:rPr lang="en-IN" smtClean="0"/>
-              <a:t>01-01-2019</a:t>
+              <a:t>02-01-2019</a:t>
             </a:fld>
             <a:endParaRPr lang="en-IN" dirty="0"/>
           </a:p>
@@ -17417,10 +17418,10 @@
               <a:t>ASP.Net</a:t>
             </a:r>
             <a:r>
-              <a:rPr lang="en-US" altLang="zh-CN"/>
+              <a:rPr lang="en-US" altLang="zh-CN" dirty="0"/>
               <a:t> Core Identity</a:t>
             </a:r>
-            <a:endParaRPr lang="en-US"/>
+            <a:endParaRPr lang="en-US" dirty="0"/>
           </a:p>
         </p:txBody>
       </p:sp>
@@ -17438,6 +17439,120 @@
 </file>
 
 <file path=ppt/slides/slide4.xml><?xml version="1.0" encoding="utf-8"?>
+<p:sld xmlns:a="http://schemas.openxmlformats.org/drawingml/2006/main" xmlns:r="http://schemas.openxmlformats.org/officeDocument/2006/relationships" xmlns:p="http://schemas.openxmlformats.org/presentationml/2006/main">
+  <p:cSld>
+    <p:spTree>
+      <p:nvGrpSpPr>
+        <p:cNvPr id="1" name=""/>
+        <p:cNvGrpSpPr/>
+        <p:nvPr/>
+      </p:nvGrpSpPr>
+      <p:grpSpPr>
+        <a:xfrm>
+          <a:off x="0" y="0"/>
+          <a:ext cx="0" cy="0"/>
+          <a:chOff x="0" y="0"/>
+          <a:chExt cx="0" cy="0"/>
+        </a:xfrm>
+      </p:grpSpPr>
+      <p:sp>
+        <p:nvSpPr>
+          <p:cNvPr id="2" name="Slide Number Placeholder 1">
+            <a:extLst>
+              <a:ext uri="{FF2B5EF4-FFF2-40B4-BE49-F238E27FC236}">
+                <a16:creationId xmlns:a16="http://schemas.microsoft.com/office/drawing/2014/main" id="{FF28CE14-00F7-4348-BB7F-3F7DC6D3149D}"/>
+              </a:ext>
+            </a:extLst>
+          </p:cNvPr>
+          <p:cNvSpPr>
+            <a:spLocks noGrp="1"/>
+          </p:cNvSpPr>
+          <p:nvPr>
+            <p:ph type="sldNum" sz="quarter" idx="12"/>
+          </p:nvPr>
+        </p:nvSpPr>
+        <p:spPr/>
+        <p:txBody>
+          <a:bodyPr/>
+          <a:lstStyle/>
+          <a:p>
+            <a:fld id="{9EC71654-96A5-4280-94F3-931C61A9F92C}" type="slidenum">
+              <a:rPr lang="en-IN" smtClean="0"/>
+              <a:pPr/>
+              <a:t>4</a:t>
+            </a:fld>
+            <a:endParaRPr lang="en-IN" dirty="0"/>
+          </a:p>
+        </p:txBody>
+      </p:sp>
+      <p:sp>
+        <p:nvSpPr>
+          <p:cNvPr id="3" name="Content Placeholder 2">
+            <a:extLst>
+              <a:ext uri="{FF2B5EF4-FFF2-40B4-BE49-F238E27FC236}">
+                <a16:creationId xmlns:a16="http://schemas.microsoft.com/office/drawing/2014/main" id="{34CE09CE-4883-4F36-958A-CE53BCC24165}"/>
+              </a:ext>
+            </a:extLst>
+          </p:cNvPr>
+          <p:cNvSpPr>
+            <a:spLocks noGrp="1"/>
+          </p:cNvSpPr>
+          <p:nvPr>
+            <p:ph idx="1"/>
+          </p:nvPr>
+        </p:nvSpPr>
+        <p:spPr/>
+        <p:txBody>
+          <a:bodyPr/>
+          <a:lstStyle/>
+          <a:p>
+            <a:endParaRPr lang="en-US"/>
+          </a:p>
+        </p:txBody>
+      </p:sp>
+      <p:sp>
+        <p:nvSpPr>
+          <p:cNvPr id="4" name="Title 3">
+            <a:extLst>
+              <a:ext uri="{FF2B5EF4-FFF2-40B4-BE49-F238E27FC236}">
+                <a16:creationId xmlns:a16="http://schemas.microsoft.com/office/drawing/2014/main" id="{4A41DBAF-A9C0-40C9-9C07-80C94DA94722}"/>
+              </a:ext>
+            </a:extLst>
+          </p:cNvPr>
+          <p:cNvSpPr>
+            <a:spLocks noGrp="1"/>
+          </p:cNvSpPr>
+          <p:nvPr>
+            <p:ph type="title"/>
+          </p:nvPr>
+        </p:nvSpPr>
+        <p:spPr/>
+        <p:txBody>
+          <a:bodyPr/>
+          <a:lstStyle/>
+          <a:p>
+            <a:r>
+              <a:rPr lang="zh-CN" altLang="en-US" dirty="0"/>
+              <a:t>源码</a:t>
+            </a:r>
+            <a:endParaRPr lang="en-US" dirty="0"/>
+          </a:p>
+        </p:txBody>
+      </p:sp>
+    </p:spTree>
+    <p:extLst>
+      <p:ext uri="{BB962C8B-B14F-4D97-AF65-F5344CB8AC3E}">
+        <p14:creationId xmlns:p14="http://schemas.microsoft.com/office/powerpoint/2010/main" val="2154622589"/>
+      </p:ext>
+    </p:extLst>
+  </p:cSld>
+  <p:clrMapOvr>
+    <a:masterClrMapping/>
+  </p:clrMapOvr>
+</p:sld>
+</file>
+
+<file path=ppt/slides/slide5.xml><?xml version="1.0" encoding="utf-8"?>
 <p:sld xmlns:a="http://schemas.openxmlformats.org/drawingml/2006/main" xmlns:r="http://schemas.openxmlformats.org/officeDocument/2006/relationships" xmlns:p="http://schemas.openxmlformats.org/presentationml/2006/main">
   <p:cSld>
     <p:bg>
@@ -18480,6 +18595,12 @@
 </file>
 
 <file path=customXml/item1.xml><?xml version="1.0" encoding="utf-8"?>
+<Control xmlns="http://schemas.microsoft.com/VisualStudio/2011/storyboarding/control">
+  <Id Name="6173540a-c5fd-4d8e-b0a3-674280ed5e8e" Revision="1" Stencil="System.MyShapes" StencilVersion="1.0"/>
+</Control>
+</file>
+
+<file path=customXml/item2.xml><?xml version="1.0" encoding="utf-8"?>
 <ct:contentTypeSchema xmlns:ct="http://schemas.microsoft.com/office/2006/metadata/contentType" xmlns:ma="http://schemas.microsoft.com/office/2006/metadata/properties/metaAttributes" ct:_="" ma:_="" ma:contentTypeName="Document" ma:contentTypeID="0x01010079F111ED35F8CC479449609E8A0923A6" ma:contentTypeVersion="10" ma:contentTypeDescription="Create a new document." ma:contentTypeScope="" ma:versionID="e39e7e9e36de66d473ce04bb4ab2dbb8">
   <xsd:schema xmlns:xsd="http://www.w3.org/2001/XMLSchema" xmlns:xs="http://www.w3.org/2001/XMLSchema" xmlns:p="http://schemas.microsoft.com/office/2006/metadata/properties" xmlns:ns2="71af3243-3dd4-4a8d-8c0d-dd76da1f02a5" xmlns:ns3="16c05727-aa75-4e4a-9b5f-8a80a1165891" targetNamespace="http://schemas.microsoft.com/office/2006/metadata/properties" ma:root="true" ma:fieldsID="19dc5994665da46609c24125788630d8" ns2:_="" ns3:_="">
     <xsd:import namespace="71af3243-3dd4-4a8d-8c0d-dd76da1f02a5"/>
@@ -18684,13 +18805,15 @@
 </ct:contentTypeSchema>
 </file>
 
-<file path=customXml/item2.xml><?xml version="1.0" encoding="utf-8"?>
-<Control xmlns="http://schemas.microsoft.com/VisualStudio/2011/storyboarding/control">
-  <Id Name="6173540a-c5fd-4d8e-b0a3-674280ed5e8e" Revision="1" Stencil="System.MyShapes" StencilVersion="1.0"/>
-</Control>
+<file path=customXml/item3.xml><?xml version="1.0" encoding="utf-8"?>
+<p:properties xmlns:p="http://schemas.microsoft.com/office/2006/metadata/properties" xmlns:xsi="http://www.w3.org/2001/XMLSchema-instance" xmlns:pc="http://schemas.microsoft.com/office/infopath/2007/PartnerControls">
+  <documentManagement>
+    <MediaServiceKeyPoints xmlns="71af3243-3dd4-4a8d-8c0d-dd76da1f02a5" xsi:nil="true"/>
+  </documentManagement>
+</p:properties>
 </file>
 
-<file path=customXml/item3.xml><?xml version="1.0" encoding="utf-8"?>
+<file path=customXml/item4.xml><?xml version="1.0" encoding="utf-8"?>
 <?mso-contentType ?>
 <FormTemplates xmlns="http://schemas.microsoft.com/sharepoint/v3/contenttype/forms">
   <Display>DocumentLibraryForm</Display>
@@ -18699,15 +18822,15 @@
 </FormTemplates>
 </file>
 
-<file path=customXml/item4.xml><?xml version="1.0" encoding="utf-8"?>
-<p:properties xmlns:p="http://schemas.microsoft.com/office/2006/metadata/properties" xmlns:xsi="http://www.w3.org/2001/XMLSchema-instance" xmlns:pc="http://schemas.microsoft.com/office/infopath/2007/PartnerControls">
-  <documentManagement>
-    <MediaServiceKeyPoints xmlns="71af3243-3dd4-4a8d-8c0d-dd76da1f02a5" xsi:nil="true"/>
-  </documentManagement>
-</p:properties>
+<file path=customXml/itemProps1.xml><?xml version="1.0" encoding="utf-8"?>
+<ds:datastoreItem xmlns:ds="http://schemas.openxmlformats.org/officeDocument/2006/customXml" ds:itemID="{888FE6CC-C35F-4D7D-96BC-0C675F88EC6B}">
+  <ds:schemaRefs>
+    <ds:schemaRef ds:uri="http://schemas.microsoft.com/VisualStudio/2011/storyboarding/control"/>
+  </ds:schemaRefs>
+</ds:datastoreItem>
 </file>
 
-<file path=customXml/itemProps1.xml><?xml version="1.0" encoding="utf-8"?>
+<file path=customXml/itemProps2.xml><?xml version="1.0" encoding="utf-8"?>
 <ds:datastoreItem xmlns:ds="http://schemas.openxmlformats.org/officeDocument/2006/customXml" ds:itemID="{1FF4E1AF-DB5E-4764-961C-6F82B33E9E6E}">
   <ds:schemaRefs>
     <ds:schemaRef ds:uri="http://schemas.microsoft.com/office/2006/metadata/contentType"/>
@@ -18726,23 +18849,7 @@
 </ds:datastoreItem>
 </file>
 
-<file path=customXml/itemProps2.xml><?xml version="1.0" encoding="utf-8"?>
-<ds:datastoreItem xmlns:ds="http://schemas.openxmlformats.org/officeDocument/2006/customXml" ds:itemID="{888FE6CC-C35F-4D7D-96BC-0C675F88EC6B}">
-  <ds:schemaRefs>
-    <ds:schemaRef ds:uri="http://schemas.microsoft.com/VisualStudio/2011/storyboarding/control"/>
-  </ds:schemaRefs>
-</ds:datastoreItem>
-</file>
-
 <file path=customXml/itemProps3.xml><?xml version="1.0" encoding="utf-8"?>
-<ds:datastoreItem xmlns:ds="http://schemas.openxmlformats.org/officeDocument/2006/customXml" ds:itemID="{A4C31332-3081-4BD9-AD6F-078B4521F357}">
-  <ds:schemaRefs>
-    <ds:schemaRef ds:uri="http://schemas.microsoft.com/sharepoint/v3/contenttype/forms"/>
-  </ds:schemaRefs>
-</ds:datastoreItem>
-</file>
-
-<file path=customXml/itemProps4.xml><?xml version="1.0" encoding="utf-8"?>
 <ds:datastoreItem xmlns:ds="http://schemas.openxmlformats.org/officeDocument/2006/customXml" ds:itemID="{2519797F-2510-4681-A59B-FCD8F3733FE0}">
   <ds:schemaRefs>
     <ds:schemaRef ds:uri="http://schemas.microsoft.com/office/2006/metadata/properties"/>
@@ -18750,4 +18857,12 @@
     <ds:schemaRef ds:uri="71af3243-3dd4-4a8d-8c0d-dd76da1f02a5"/>
   </ds:schemaRefs>
 </ds:datastoreItem>
+</file>
+
+<file path=customXml/itemProps4.xml><?xml version="1.0" encoding="utf-8"?>
+<ds:datastoreItem xmlns:ds="http://schemas.openxmlformats.org/officeDocument/2006/customXml" ds:itemID="{A4C31332-3081-4BD9-AD6F-078B4521F357}">
+  <ds:schemaRefs>
+    <ds:schemaRef ds:uri="http://schemas.microsoft.com/sharepoint/v3/contenttype/forms"/>
+  </ds:schemaRefs>
+</ds:datastoreItem>
 </file>
--- a/ASP.NET Core MVC.pptx
+++ b/ASP.NET Core MVC.pptx
@@ -17506,7 +17506,16 @@
           <a:bodyPr/>
           <a:lstStyle/>
           <a:p>
-            <a:endParaRPr lang="en-US"/>
+            <a:r>
+              <a:rPr lang="en-US" dirty="0">
+                <a:hlinkClick r:id="rId2"/>
+              </a:rPr>
+              <a:t>https://0x9.me/xuoYK</a:t>
+            </a:r>
+            <a:endParaRPr lang="en-US" dirty="0"/>
+          </a:p>
+          <a:p>
+            <a:endParaRPr lang="en-US" dirty="0"/>
           </a:p>
         </p:txBody>
       </p:sp>
@@ -17539,6 +17548,36 @@
           </a:p>
         </p:txBody>
       </p:sp>
+      <p:pic>
+        <p:nvPicPr>
+          <p:cNvPr id="7" name="Picture 6">
+            <a:extLst>
+              <a:ext uri="{FF2B5EF4-FFF2-40B4-BE49-F238E27FC236}">
+                <a16:creationId xmlns:a16="http://schemas.microsoft.com/office/drawing/2014/main" id="{61F94221-ABB9-48E0-ACBF-03BDEBCEEBB2}"/>
+              </a:ext>
+            </a:extLst>
+          </p:cNvPr>
+          <p:cNvPicPr>
+            <a:picLocks noChangeAspect="1"/>
+          </p:cNvPicPr>
+          <p:nvPr/>
+        </p:nvPicPr>
+        <p:blipFill>
+          <a:blip r:embed="rId3"/>
+          <a:stretch>
+            <a:fillRect/>
+          </a:stretch>
+        </p:blipFill>
+        <p:spPr>
+          <a:xfrm>
+            <a:off x="4948238" y="2780950"/>
+            <a:ext cx="2286000" cy="2286000"/>
+          </a:xfrm>
+          <a:prstGeom prst="rect">
+            <a:avLst/>
+          </a:prstGeom>
+        </p:spPr>
+      </p:pic>
     </p:spTree>
     <p:extLst>
       <p:ext uri="{BB962C8B-B14F-4D97-AF65-F5344CB8AC3E}">

--- a/ASP.NET Core MVC.pptx
+++ b/ASP.NET Core MVC.pptx
@@ -5,14 +5,15 @@
     <p:sldMasterId id="2147483648" r:id="rId5"/>
   </p:sldMasterIdLst>
   <p:notesMasterIdLst>
-    <p:notesMasterId r:id="rId11"/>
+    <p:notesMasterId r:id="rId12"/>
   </p:notesMasterIdLst>
   <p:sldIdLst>
     <p:sldId id="257" r:id="rId6"/>
     <p:sldId id="276" r:id="rId7"/>
     <p:sldId id="283" r:id="rId8"/>
     <p:sldId id="284" r:id="rId9"/>
-    <p:sldId id="282" r:id="rId10"/>
+    <p:sldId id="285" r:id="rId10"/>
+    <p:sldId id="282" r:id="rId11"/>
   </p:sldIdLst>
   <p:sldSz cx="12192000" cy="6858000"/>
   <p:notesSz cx="6858000" cy="9144000"/>
@@ -212,7 +213,7 @@
           <a:p>
             <a:fld id="{0AEFB4FA-E877-413E-B608-88789D806C57}" type="datetimeFigureOut">
               <a:rPr lang="en-IN" smtClean="0"/>
-              <a:t>02-01-2019</a:t>
+              <a:t>03-01-2019</a:t>
             </a:fld>
             <a:endParaRPr lang="en-IN" dirty="0"/>
           </a:p>
@@ -16153,7 +16154,7 @@
           <a:p>
             <a:fld id="{D951F27F-98F9-A147-8986-34441C7B752D}" type="datetime1">
               <a:rPr lang="en-IN" smtClean="0"/>
-              <a:t>02-01-2019</a:t>
+              <a:t>03-01-2019</a:t>
             </a:fld>
             <a:endParaRPr lang="en-IN" dirty="0"/>
           </a:p>
@@ -17592,6 +17593,173 @@
 </file>
 
 <file path=ppt/slides/slide5.xml><?xml version="1.0" encoding="utf-8"?>
+<p:sld xmlns:a="http://schemas.openxmlformats.org/drawingml/2006/main" xmlns:r="http://schemas.openxmlformats.org/officeDocument/2006/relationships" xmlns:p="http://schemas.openxmlformats.org/presentationml/2006/main">
+  <p:cSld>
+    <p:spTree>
+      <p:nvGrpSpPr>
+        <p:cNvPr id="1" name=""/>
+        <p:cNvGrpSpPr/>
+        <p:nvPr/>
+      </p:nvGrpSpPr>
+      <p:grpSpPr>
+        <a:xfrm>
+          <a:off x="0" y="0"/>
+          <a:ext cx="0" cy="0"/>
+          <a:chOff x="0" y="0"/>
+          <a:chExt cx="0" cy="0"/>
+        </a:xfrm>
+      </p:grpSpPr>
+      <p:sp>
+        <p:nvSpPr>
+          <p:cNvPr id="2" name="Slide Number Placeholder 1">
+            <a:extLst>
+              <a:ext uri="{FF2B5EF4-FFF2-40B4-BE49-F238E27FC236}">
+                <a16:creationId xmlns:a16="http://schemas.microsoft.com/office/drawing/2014/main" id="{B9981F75-00A7-43E6-AB0B-DECC4DA9625C}"/>
+              </a:ext>
+            </a:extLst>
+          </p:cNvPr>
+          <p:cNvSpPr>
+            <a:spLocks noGrp="1"/>
+          </p:cNvSpPr>
+          <p:nvPr>
+            <p:ph type="sldNum" sz="quarter" idx="12"/>
+          </p:nvPr>
+        </p:nvSpPr>
+        <p:spPr/>
+        <p:txBody>
+          <a:bodyPr/>
+          <a:lstStyle/>
+          <a:p>
+            <a:fld id="{9EC71654-96A5-4280-94F3-931C61A9F92C}" type="slidenum">
+              <a:rPr lang="en-IN" smtClean="0"/>
+              <a:pPr/>
+              <a:t>5</a:t>
+            </a:fld>
+            <a:endParaRPr lang="en-IN" dirty="0"/>
+          </a:p>
+        </p:txBody>
+      </p:sp>
+      <p:sp>
+        <p:nvSpPr>
+          <p:cNvPr id="3" name="Content Placeholder 2">
+            <a:extLst>
+              <a:ext uri="{FF2B5EF4-FFF2-40B4-BE49-F238E27FC236}">
+                <a16:creationId xmlns:a16="http://schemas.microsoft.com/office/drawing/2014/main" id="{25C3EFA2-1EA6-4F7F-93A4-3054EA65FD37}"/>
+              </a:ext>
+            </a:extLst>
+          </p:cNvPr>
+          <p:cNvSpPr>
+            <a:spLocks noGrp="1"/>
+          </p:cNvSpPr>
+          <p:nvPr>
+            <p:ph idx="1"/>
+          </p:nvPr>
+        </p:nvSpPr>
+        <p:spPr/>
+        <p:txBody>
+          <a:bodyPr/>
+          <a:lstStyle/>
+          <a:p>
+            <a:r>
+              <a:rPr lang="en-US" dirty="0" err="1"/>
+              <a:t>RoleManager</a:t>
+            </a:r>
+            <a:endParaRPr lang="en-US" dirty="0"/>
+          </a:p>
+          <a:p>
+            <a:endParaRPr lang="en-US" altLang="zh-CN" dirty="0"/>
+          </a:p>
+          <a:p>
+            <a:r>
+              <a:rPr lang="zh-CN" altLang="en-US" dirty="0"/>
+              <a:t>创建，删除 </a:t>
+            </a:r>
+            <a:r>
+              <a:rPr lang="en-US" altLang="zh-CN" dirty="0"/>
+              <a:t>Role</a:t>
+            </a:r>
+          </a:p>
+          <a:p>
+            <a:r>
+              <a:rPr lang="zh-CN" altLang="en-US" dirty="0"/>
+              <a:t>把用户添加到 </a:t>
+            </a:r>
+            <a:r>
+              <a:rPr lang="en-US" altLang="zh-CN" dirty="0"/>
+              <a:t>Role</a:t>
+            </a:r>
+          </a:p>
+          <a:p>
+            <a:r>
+              <a:rPr lang="zh-CN" altLang="en-US" dirty="0"/>
+              <a:t>对 </a:t>
+            </a:r>
+            <a:r>
+              <a:rPr lang="en-US" altLang="zh-CN" dirty="0"/>
+              <a:t>Role </a:t>
+            </a:r>
+            <a:r>
+              <a:rPr lang="zh-CN" altLang="en-US" dirty="0"/>
+              <a:t>进行授权 </a:t>
+            </a:r>
+            <a:r>
+              <a:rPr lang="en-US" altLang="zh-CN" dirty="0"/>
+              <a:t>[Authorize(Roles = “</a:t>
+            </a:r>
+            <a:r>
+              <a:rPr lang="en-US" altLang="zh-CN" dirty="0" err="1"/>
+              <a:t>xxxRole</a:t>
+            </a:r>
+            <a:r>
+              <a:rPr lang="en-US" altLang="zh-CN" dirty="0"/>
+              <a:t>”)]</a:t>
+            </a:r>
+            <a:endParaRPr lang="en-US" dirty="0"/>
+          </a:p>
+        </p:txBody>
+      </p:sp>
+      <p:sp>
+        <p:nvSpPr>
+          <p:cNvPr id="4" name="Title 3">
+            <a:extLst>
+              <a:ext uri="{FF2B5EF4-FFF2-40B4-BE49-F238E27FC236}">
+                <a16:creationId xmlns:a16="http://schemas.microsoft.com/office/drawing/2014/main" id="{559585D6-5195-46EC-80B4-C681DB94A8F1}"/>
+              </a:ext>
+            </a:extLst>
+          </p:cNvPr>
+          <p:cNvSpPr>
+            <a:spLocks noGrp="1"/>
+          </p:cNvSpPr>
+          <p:nvPr>
+            <p:ph type="title"/>
+          </p:nvPr>
+        </p:nvSpPr>
+        <p:spPr/>
+        <p:txBody>
+          <a:bodyPr/>
+          <a:lstStyle/>
+          <a:p>
+            <a:r>
+              <a:rPr lang="en-US" dirty="0"/>
+              <a:t>Role Manager</a:t>
+            </a:r>
+          </a:p>
+        </p:txBody>
+      </p:sp>
+    </p:spTree>
+    <p:extLst>
+      <p:ext uri="{BB962C8B-B14F-4D97-AF65-F5344CB8AC3E}">
+        <p14:creationId xmlns:p14="http://schemas.microsoft.com/office/powerpoint/2010/main" val="3270493192"/>
+      </p:ext>
+    </p:extLst>
+  </p:cSld>
+  <p:clrMapOvr>
+    <a:masterClrMapping/>
+  </p:clrMapOvr>
+</p:sld>
+</file>
+
+<file path=ppt/slides/slide6.xml><?xml version="1.0" encoding="utf-8"?>
 <p:sld xmlns:a="http://schemas.openxmlformats.org/drawingml/2006/main" xmlns:r="http://schemas.openxmlformats.org/officeDocument/2006/relationships" xmlns:p="http://schemas.openxmlformats.org/presentationml/2006/main">
   <p:cSld>
     <p:bg>
@@ -18634,9 +18802,11 @@
 </file>
 
 <file path=customXml/item1.xml><?xml version="1.0" encoding="utf-8"?>
-<Control xmlns="http://schemas.microsoft.com/VisualStudio/2011/storyboarding/control">
-  <Id Name="6173540a-c5fd-4d8e-b0a3-674280ed5e8e" Revision="1" Stencil="System.MyShapes" StencilVersion="1.0"/>
-</Control>
+<p:properties xmlns:p="http://schemas.microsoft.com/office/2006/metadata/properties" xmlns:xsi="http://www.w3.org/2001/XMLSchema-instance" xmlns:pc="http://schemas.microsoft.com/office/infopath/2007/PartnerControls">
+  <documentManagement>
+    <MediaServiceKeyPoints xmlns="71af3243-3dd4-4a8d-8c0d-dd76da1f02a5" xsi:nil="true"/>
+  </documentManagement>
+</p:properties>
 </file>
 
 <file path=customXml/item2.xml><?xml version="1.0" encoding="utf-8"?>
@@ -18845,11 +19015,9 @@
 </file>
 
 <file path=customXml/item3.xml><?xml version="1.0" encoding="utf-8"?>
-<p:properties xmlns:p="http://schemas.microsoft.com/office/2006/metadata/properties" xmlns:xsi="http://www.w3.org/2001/XMLSchema-instance" xmlns:pc="http://schemas.microsoft.com/office/infopath/2007/PartnerControls">
-  <documentManagement>
-    <MediaServiceKeyPoints xmlns="71af3243-3dd4-4a8d-8c0d-dd76da1f02a5" xsi:nil="true"/>
-  </documentManagement>
-</p:properties>
+<Control xmlns="http://schemas.microsoft.com/VisualStudio/2011/storyboarding/control">
+  <Id Name="6173540a-c5fd-4d8e-b0a3-674280ed5e8e" Revision="1" Stencil="System.MyShapes" StencilVersion="1.0"/>
+</Control>
 </file>
 
 <file path=customXml/item4.xml><?xml version="1.0" encoding="utf-8"?>
@@ -18862,9 +19030,11 @@
 </file>
 
 <file path=customXml/itemProps1.xml><?xml version="1.0" encoding="utf-8"?>
-<ds:datastoreItem xmlns:ds="http://schemas.openxmlformats.org/officeDocument/2006/customXml" ds:itemID="{888FE6CC-C35F-4D7D-96BC-0C675F88EC6B}">
+<ds:datastoreItem xmlns:ds="http://schemas.openxmlformats.org/officeDocument/2006/customXml" ds:itemID="{2519797F-2510-4681-A59B-FCD8F3733FE0}">
   <ds:schemaRefs>
-    <ds:schemaRef ds:uri="http://schemas.microsoft.com/VisualStudio/2011/storyboarding/control"/>
+    <ds:schemaRef ds:uri="http://schemas.microsoft.com/office/2006/metadata/properties"/>
+    <ds:schemaRef ds:uri="http://schemas.microsoft.com/office/infopath/2007/PartnerControls"/>
+    <ds:schemaRef ds:uri="71af3243-3dd4-4a8d-8c0d-dd76da1f02a5"/>
   </ds:schemaRefs>
 </ds:datastoreItem>
 </file>
@@ -18889,11 +19059,9 @@
 </file>
 
 <file path=customXml/itemProps3.xml><?xml version="1.0" encoding="utf-8"?>
-<ds:datastoreItem xmlns:ds="http://schemas.openxmlformats.org/officeDocument/2006/customXml" ds:itemID="{2519797F-2510-4681-A59B-FCD8F3733FE0}">
+<ds:datastoreItem xmlns:ds="http://schemas.openxmlformats.org/officeDocument/2006/customXml" ds:itemID="{888FE6CC-C35F-4D7D-96BC-0C675F88EC6B}">
   <ds:schemaRefs>
-    <ds:schemaRef ds:uri="http://schemas.microsoft.com/office/2006/metadata/properties"/>
-    <ds:schemaRef ds:uri="http://schemas.microsoft.com/office/infopath/2007/PartnerControls"/>
-    <ds:schemaRef ds:uri="71af3243-3dd4-4a8d-8c0d-dd76da1f02a5"/>
+    <ds:schemaRef ds:uri="http://schemas.microsoft.com/VisualStudio/2011/storyboarding/control"/>
   </ds:schemaRefs>
 </ds:datastoreItem>
 </file>

--- a/ASP.NET Core MVC.pptx
+++ b/ASP.NET Core MVC.pptx
@@ -10,8 +10,8 @@
   <p:sldIdLst>
     <p:sldId id="257" r:id="rId6"/>
     <p:sldId id="276" r:id="rId7"/>
-    <p:sldId id="283" r:id="rId8"/>
-    <p:sldId id="284" r:id="rId9"/>
+    <p:sldId id="284" r:id="rId8"/>
+    <p:sldId id="283" r:id="rId9"/>
     <p:sldId id="285" r:id="rId10"/>
     <p:sldId id="282" r:id="rId11"/>
   </p:sldIdLst>
@@ -213,7 +213,7 @@
           <a:p>
             <a:fld id="{0AEFB4FA-E877-413E-B608-88789D806C57}" type="datetimeFigureOut">
               <a:rPr lang="en-IN" smtClean="0"/>
-              <a:t>03-01-2019</a:t>
+              <a:t>04-01-2019</a:t>
             </a:fld>
             <a:endParaRPr lang="en-IN" dirty="0"/>
           </a:p>
@@ -16154,7 +16154,7 @@
           <a:p>
             <a:fld id="{D951F27F-98F9-A147-8986-34441C7B752D}" type="datetime1">
               <a:rPr lang="en-IN" smtClean="0"/>
-              <a:t>03-01-2019</a:t>
+              <a:t>04-01-2019</a:t>
             </a:fld>
             <a:endParaRPr lang="en-IN" dirty="0"/>
           </a:p>
@@ -17366,10 +17366,10 @@
       </p:grpSpPr>
       <p:sp>
         <p:nvSpPr>
-          <p:cNvPr id="2" name="Title 1">
-            <a:extLst>
-              <a:ext uri="{FF2B5EF4-FFF2-40B4-BE49-F238E27FC236}">
-                <a16:creationId xmlns:a16="http://schemas.microsoft.com/office/drawing/2014/main" id="{14461BC9-B470-4F5E-9687-8E436BB52EC4}"/>
+          <p:cNvPr id="2" name="Slide Number Placeholder 1">
+            <a:extLst>
+              <a:ext uri="{FF2B5EF4-FFF2-40B4-BE49-F238E27FC236}">
+                <a16:creationId xmlns:a16="http://schemas.microsoft.com/office/drawing/2014/main" id="{FF28CE14-00F7-4348-BB7F-3F7DC6D3149D}"/>
               </a:ext>
             </a:extLst>
           </p:cNvPr>
@@ -17377,7 +17377,7 @@
             <a:spLocks noGrp="1"/>
           </p:cNvSpPr>
           <p:nvPr>
-            <p:ph type="ctrTitle"/>
+            <p:ph type="sldNum" sz="quarter" idx="12"/>
           </p:nvPr>
         </p:nvSpPr>
         <p:spPr/>
@@ -17385,20 +17385,21 @@
           <a:bodyPr/>
           <a:lstStyle/>
           <a:p>
-            <a:r>
-              <a:rPr lang="zh-CN" altLang="en-US" dirty="0"/>
-              <a:t>授权、认证</a:t>
-            </a:r>
-            <a:endParaRPr lang="en-US" dirty="0"/>
+            <a:fld id="{9EC71654-96A5-4280-94F3-931C61A9F92C}" type="slidenum">
+              <a:rPr lang="en-IN" smtClean="0"/>
+              <a:pPr/>
+              <a:t>3</a:t>
+            </a:fld>
+            <a:endParaRPr lang="en-IN" dirty="0"/>
           </a:p>
         </p:txBody>
       </p:sp>
       <p:sp>
         <p:nvSpPr>
-          <p:cNvPr id="3" name="Subtitle 2">
-            <a:extLst>
-              <a:ext uri="{FF2B5EF4-FFF2-40B4-BE49-F238E27FC236}">
-                <a16:creationId xmlns:a16="http://schemas.microsoft.com/office/drawing/2014/main" id="{38E35177-44CC-471E-A952-3B228EFCA852}"/>
+          <p:cNvPr id="3" name="Content Placeholder 2">
+            <a:extLst>
+              <a:ext uri="{FF2B5EF4-FFF2-40B4-BE49-F238E27FC236}">
+                <a16:creationId xmlns:a16="http://schemas.microsoft.com/office/drawing/2014/main" id="{34CE09CE-4883-4F36-958A-CE53BCC24165}"/>
               </a:ext>
             </a:extLst>
           </p:cNvPr>
@@ -17406,7 +17407,7 @@
             <a:spLocks noGrp="1"/>
           </p:cNvSpPr>
           <p:nvPr>
-            <p:ph type="subTitle" idx="1"/>
+            <p:ph idx="1"/>
           </p:nvPr>
         </p:nvSpPr>
         <p:spPr/>
@@ -17415,21 +17416,81 @@
           <a:lstStyle/>
           <a:p>
             <a:r>
-              <a:rPr lang="en-US" altLang="zh-CN" dirty="0" err="1"/>
-              <a:t>ASP.Net</a:t>
-            </a:r>
-            <a:r>
-              <a:rPr lang="en-US" altLang="zh-CN" dirty="0"/>
-              <a:t> Core Identity</a:t>
+              <a:rPr lang="en-US" dirty="0">
+                <a:hlinkClick r:id="rId2"/>
+              </a:rPr>
+              <a:t>https://0x9.me/xuoYK</a:t>
             </a:r>
             <a:endParaRPr lang="en-US" dirty="0"/>
           </a:p>
+          <a:p>
+            <a:endParaRPr lang="en-US" dirty="0"/>
+          </a:p>
         </p:txBody>
       </p:sp>
+      <p:sp>
+        <p:nvSpPr>
+          <p:cNvPr id="4" name="Title 3">
+            <a:extLst>
+              <a:ext uri="{FF2B5EF4-FFF2-40B4-BE49-F238E27FC236}">
+                <a16:creationId xmlns:a16="http://schemas.microsoft.com/office/drawing/2014/main" id="{4A41DBAF-A9C0-40C9-9C07-80C94DA94722}"/>
+              </a:ext>
+            </a:extLst>
+          </p:cNvPr>
+          <p:cNvSpPr>
+            <a:spLocks noGrp="1"/>
+          </p:cNvSpPr>
+          <p:nvPr>
+            <p:ph type="title"/>
+          </p:nvPr>
+        </p:nvSpPr>
+        <p:spPr/>
+        <p:txBody>
+          <a:bodyPr/>
+          <a:lstStyle/>
+          <a:p>
+            <a:r>
+              <a:rPr lang="zh-CN" altLang="en-US" dirty="0"/>
+              <a:t>源码</a:t>
+            </a:r>
+            <a:endParaRPr lang="en-US" dirty="0"/>
+          </a:p>
+        </p:txBody>
+      </p:sp>
+      <p:pic>
+        <p:nvPicPr>
+          <p:cNvPr id="7" name="Picture 6">
+            <a:extLst>
+              <a:ext uri="{FF2B5EF4-FFF2-40B4-BE49-F238E27FC236}">
+                <a16:creationId xmlns:a16="http://schemas.microsoft.com/office/drawing/2014/main" id="{61F94221-ABB9-48E0-ACBF-03BDEBCEEBB2}"/>
+              </a:ext>
+            </a:extLst>
+          </p:cNvPr>
+          <p:cNvPicPr>
+            <a:picLocks noChangeAspect="1"/>
+          </p:cNvPicPr>
+          <p:nvPr/>
+        </p:nvPicPr>
+        <p:blipFill>
+          <a:blip r:embed="rId3"/>
+          <a:stretch>
+            <a:fillRect/>
+          </a:stretch>
+        </p:blipFill>
+        <p:spPr>
+          <a:xfrm>
+            <a:off x="4948238" y="2780950"/>
+            <a:ext cx="2286000" cy="2286000"/>
+          </a:xfrm>
+          <a:prstGeom prst="rect">
+            <a:avLst/>
+          </a:prstGeom>
+        </p:spPr>
+      </p:pic>
     </p:spTree>
     <p:extLst>
       <p:ext uri="{BB962C8B-B14F-4D97-AF65-F5344CB8AC3E}">
-        <p14:creationId xmlns:p14="http://schemas.microsoft.com/office/powerpoint/2010/main" val="2234624688"/>
+        <p14:creationId xmlns:p14="http://schemas.microsoft.com/office/powerpoint/2010/main" val="2154622589"/>
       </p:ext>
     </p:extLst>
   </p:cSld>
@@ -17458,10 +17519,10 @@
       </p:grpSpPr>
       <p:sp>
         <p:nvSpPr>
-          <p:cNvPr id="2" name="Slide Number Placeholder 1">
-            <a:extLst>
-              <a:ext uri="{FF2B5EF4-FFF2-40B4-BE49-F238E27FC236}">
-                <a16:creationId xmlns:a16="http://schemas.microsoft.com/office/drawing/2014/main" id="{FF28CE14-00F7-4348-BB7F-3F7DC6D3149D}"/>
+          <p:cNvPr id="2" name="Title 1">
+            <a:extLst>
+              <a:ext uri="{FF2B5EF4-FFF2-40B4-BE49-F238E27FC236}">
+                <a16:creationId xmlns:a16="http://schemas.microsoft.com/office/drawing/2014/main" id="{14461BC9-B470-4F5E-9687-8E436BB52EC4}"/>
               </a:ext>
             </a:extLst>
           </p:cNvPr>
@@ -17469,7 +17530,7 @@
             <a:spLocks noGrp="1"/>
           </p:cNvSpPr>
           <p:nvPr>
-            <p:ph type="sldNum" sz="quarter" idx="12"/>
+            <p:ph type="ctrTitle"/>
           </p:nvPr>
         </p:nvSpPr>
         <p:spPr/>
@@ -17477,21 +17538,35 @@
           <a:bodyPr/>
           <a:lstStyle/>
           <a:p>
-            <a:fld id="{9EC71654-96A5-4280-94F3-931C61A9F92C}" type="slidenum">
-              <a:rPr lang="en-IN" smtClean="0"/>
-              <a:pPr/>
-              <a:t>4</a:t>
-            </a:fld>
-            <a:endParaRPr lang="en-IN" dirty="0"/>
+            <a:r>
+              <a:rPr lang="zh-CN" altLang="en-US" dirty="0"/>
+              <a:t>基于</a:t>
+            </a:r>
+            <a:r>
+              <a:rPr lang="en-US" altLang="zh-CN" dirty="0"/>
+              <a:t>Claim</a:t>
+            </a:r>
+            <a:r>
+              <a:rPr lang="zh-CN" altLang="en-US" dirty="0"/>
+              <a:t>的</a:t>
+            </a:r>
+            <a:br>
+              <a:rPr lang="en-US" altLang="zh-CN" dirty="0"/>
+            </a:br>
+            <a:r>
+              <a:rPr lang="zh-CN" altLang="en-US" dirty="0"/>
+              <a:t>授权</a:t>
+            </a:r>
+            <a:endParaRPr lang="en-US" dirty="0"/>
           </a:p>
         </p:txBody>
       </p:sp>
       <p:sp>
         <p:nvSpPr>
-          <p:cNvPr id="3" name="Content Placeholder 2">
-            <a:extLst>
-              <a:ext uri="{FF2B5EF4-FFF2-40B4-BE49-F238E27FC236}">
-                <a16:creationId xmlns:a16="http://schemas.microsoft.com/office/drawing/2014/main" id="{34CE09CE-4883-4F36-958A-CE53BCC24165}"/>
+          <p:cNvPr id="3" name="Subtitle 2">
+            <a:extLst>
+              <a:ext uri="{FF2B5EF4-FFF2-40B4-BE49-F238E27FC236}">
+                <a16:creationId xmlns:a16="http://schemas.microsoft.com/office/drawing/2014/main" id="{38E35177-44CC-471E-A952-3B228EFCA852}"/>
               </a:ext>
             </a:extLst>
           </p:cNvPr>
@@ -17499,7 +17574,7 @@
             <a:spLocks noGrp="1"/>
           </p:cNvSpPr>
           <p:nvPr>
-            <p:ph idx="1"/>
+            <p:ph type="subTitle" idx="1"/>
           </p:nvPr>
         </p:nvSpPr>
         <p:spPr/>
@@ -17508,81 +17583,21 @@
           <a:lstStyle/>
           <a:p>
             <a:r>
-              <a:rPr lang="en-US" dirty="0">
-                <a:hlinkClick r:id="rId2"/>
-              </a:rPr>
-              <a:t>https://0x9.me/xuoYK</a:t>
+              <a:rPr lang="en-US" altLang="zh-CN" dirty="0" err="1"/>
+              <a:t>ASP.Net</a:t>
+            </a:r>
+            <a:r>
+              <a:rPr lang="en-US" altLang="zh-CN" dirty="0"/>
+              <a:t> Core Identity</a:t>
             </a:r>
             <a:endParaRPr lang="en-US" dirty="0"/>
           </a:p>
-          <a:p>
-            <a:endParaRPr lang="en-US" dirty="0"/>
-          </a:p>
         </p:txBody>
       </p:sp>
-      <p:sp>
-        <p:nvSpPr>
-          <p:cNvPr id="4" name="Title 3">
-            <a:extLst>
-              <a:ext uri="{FF2B5EF4-FFF2-40B4-BE49-F238E27FC236}">
-                <a16:creationId xmlns:a16="http://schemas.microsoft.com/office/drawing/2014/main" id="{4A41DBAF-A9C0-40C9-9C07-80C94DA94722}"/>
-              </a:ext>
-            </a:extLst>
-          </p:cNvPr>
-          <p:cNvSpPr>
-            <a:spLocks noGrp="1"/>
-          </p:cNvSpPr>
-          <p:nvPr>
-            <p:ph type="title"/>
-          </p:nvPr>
-        </p:nvSpPr>
-        <p:spPr/>
-        <p:txBody>
-          <a:bodyPr/>
-          <a:lstStyle/>
-          <a:p>
-            <a:r>
-              <a:rPr lang="zh-CN" altLang="en-US" dirty="0"/>
-              <a:t>源码</a:t>
-            </a:r>
-            <a:endParaRPr lang="en-US" dirty="0"/>
-          </a:p>
-        </p:txBody>
-      </p:sp>
-      <p:pic>
-        <p:nvPicPr>
-          <p:cNvPr id="7" name="Picture 6">
-            <a:extLst>
-              <a:ext uri="{FF2B5EF4-FFF2-40B4-BE49-F238E27FC236}">
-                <a16:creationId xmlns:a16="http://schemas.microsoft.com/office/drawing/2014/main" id="{61F94221-ABB9-48E0-ACBF-03BDEBCEEBB2}"/>
-              </a:ext>
-            </a:extLst>
-          </p:cNvPr>
-          <p:cNvPicPr>
-            <a:picLocks noChangeAspect="1"/>
-          </p:cNvPicPr>
-          <p:nvPr/>
-        </p:nvPicPr>
-        <p:blipFill>
-          <a:blip r:embed="rId3"/>
-          <a:stretch>
-            <a:fillRect/>
-          </a:stretch>
-        </p:blipFill>
-        <p:spPr>
-          <a:xfrm>
-            <a:off x="4948238" y="2780950"/>
-            <a:ext cx="2286000" cy="2286000"/>
-          </a:xfrm>
-          <a:prstGeom prst="rect">
-            <a:avLst/>
-          </a:prstGeom>
-        </p:spPr>
-      </p:pic>
     </p:spTree>
     <p:extLst>
       <p:ext uri="{BB962C8B-B14F-4D97-AF65-F5344CB8AC3E}">
-        <p14:creationId xmlns:p14="http://schemas.microsoft.com/office/powerpoint/2010/main" val="2154622589"/>
+        <p14:creationId xmlns:p14="http://schemas.microsoft.com/office/powerpoint/2010/main" val="2234624688"/>
       </p:ext>
     </p:extLst>
   </p:cSld>
@@ -17661,60 +17676,28 @@
           <a:lstStyle/>
           <a:p>
             <a:r>
-              <a:rPr lang="en-US" dirty="0" err="1"/>
-              <a:t>RoleManager</a:t>
-            </a:r>
-            <a:endParaRPr lang="en-US" dirty="0"/>
-          </a:p>
-          <a:p>
-            <a:endParaRPr lang="en-US" altLang="zh-CN" dirty="0"/>
-          </a:p>
-          <a:p>
-            <a:r>
               <a:rPr lang="zh-CN" altLang="en-US" dirty="0"/>
-              <a:t>创建，删除 </a:t>
+              <a:t>注册</a:t>
             </a:r>
             <a:r>
               <a:rPr lang="en-US" altLang="zh-CN" dirty="0"/>
-              <a:t>Role</a:t>
+              <a:t>policy</a:t>
             </a:r>
           </a:p>
           <a:p>
             <a:r>
               <a:rPr lang="zh-CN" altLang="en-US" dirty="0"/>
-              <a:t>把用户添加到 </a:t>
+              <a:t>使用</a:t>
             </a:r>
             <a:r>
               <a:rPr lang="en-US" altLang="zh-CN" dirty="0"/>
-              <a:t>Role</a:t>
-            </a:r>
-          </a:p>
-          <a:p>
-            <a:r>
-              <a:rPr lang="zh-CN" altLang="en-US" dirty="0"/>
-              <a:t>对 </a:t>
+              <a:t>policy</a:t>
             </a:r>
             <a:r>
-              <a:rPr lang="en-US" altLang="zh-CN" dirty="0"/>
-              <a:t>Role </a:t>
+              <a:rPr lang="zh-CN" altLang="en-US"/>
+              <a:t>进行授权</a:t>
             </a:r>
-            <a:r>
-              <a:rPr lang="zh-CN" altLang="en-US" dirty="0"/>
-              <a:t>进行授权 </a:t>
-            </a:r>
-            <a:r>
-              <a:rPr lang="en-US" altLang="zh-CN" dirty="0"/>
-              <a:t>[Authorize(Roles = “</a:t>
-            </a:r>
-            <a:r>
-              <a:rPr lang="en-US" altLang="zh-CN" dirty="0" err="1"/>
-              <a:t>xxxRole</a:t>
-            </a:r>
-            <a:r>
-              <a:rPr lang="en-US" altLang="zh-CN" dirty="0"/>
-              <a:t>”)]</a:t>
-            </a:r>
-            <a:endParaRPr lang="en-US" dirty="0"/>
+            <a:endParaRPr lang="en-US" altLang="zh-CN" dirty="0"/>
           </a:p>
         </p:txBody>
       </p:sp>
@@ -17740,9 +17723,14 @@
           <a:lstStyle/>
           <a:p>
             <a:r>
-              <a:rPr lang="en-US" dirty="0"/>
-              <a:t>Role Manager</a:t>
+              <a:rPr lang="en-US" altLang="zh-CN" dirty="0"/>
+              <a:t>Policy </a:t>
             </a:r>
+            <a:r>
+              <a:rPr lang="zh-CN" altLang="en-US" dirty="0"/>
+              <a:t>策略</a:t>
+            </a:r>
+            <a:endParaRPr lang="en-US" dirty="0"/>
           </a:p>
         </p:txBody>
       </p:sp>
@@ -18802,11 +18790,9 @@
 </file>
 
 <file path=customXml/item1.xml><?xml version="1.0" encoding="utf-8"?>
-<p:properties xmlns:p="http://schemas.microsoft.com/office/2006/metadata/properties" xmlns:xsi="http://www.w3.org/2001/XMLSchema-instance" xmlns:pc="http://schemas.microsoft.com/office/infopath/2007/PartnerControls">
-  <documentManagement>
-    <MediaServiceKeyPoints xmlns="71af3243-3dd4-4a8d-8c0d-dd76da1f02a5" xsi:nil="true"/>
-  </documentManagement>
-</p:properties>
+<Control xmlns="http://schemas.microsoft.com/VisualStudio/2011/storyboarding/control">
+  <Id Name="6173540a-c5fd-4d8e-b0a3-674280ed5e8e" Revision="1" Stencil="System.MyShapes" StencilVersion="1.0"/>
+</Control>
 </file>
 
 <file path=customXml/item2.xml><?xml version="1.0" encoding="utf-8"?>
@@ -19015,9 +19001,11 @@
 </file>
 
 <file path=customXml/item3.xml><?xml version="1.0" encoding="utf-8"?>
-<Control xmlns="http://schemas.microsoft.com/VisualStudio/2011/storyboarding/control">
-  <Id Name="6173540a-c5fd-4d8e-b0a3-674280ed5e8e" Revision="1" Stencil="System.MyShapes" StencilVersion="1.0"/>
-</Control>
+<p:properties xmlns:p="http://schemas.microsoft.com/office/2006/metadata/properties" xmlns:xsi="http://www.w3.org/2001/XMLSchema-instance" xmlns:pc="http://schemas.microsoft.com/office/infopath/2007/PartnerControls">
+  <documentManagement>
+    <MediaServiceKeyPoints xmlns="71af3243-3dd4-4a8d-8c0d-dd76da1f02a5" xsi:nil="true"/>
+  </documentManagement>
+</p:properties>
 </file>
 
 <file path=customXml/item4.xml><?xml version="1.0" encoding="utf-8"?>
@@ -19030,11 +19018,9 @@
 </file>
 
 <file path=customXml/itemProps1.xml><?xml version="1.0" encoding="utf-8"?>
-<ds:datastoreItem xmlns:ds="http://schemas.openxmlformats.org/officeDocument/2006/customXml" ds:itemID="{2519797F-2510-4681-A59B-FCD8F3733FE0}">
+<ds:datastoreItem xmlns:ds="http://schemas.openxmlformats.org/officeDocument/2006/customXml" ds:itemID="{888FE6CC-C35F-4D7D-96BC-0C675F88EC6B}">
   <ds:schemaRefs>
-    <ds:schemaRef ds:uri="http://schemas.microsoft.com/office/2006/metadata/properties"/>
-    <ds:schemaRef ds:uri="http://schemas.microsoft.com/office/infopath/2007/PartnerControls"/>
-    <ds:schemaRef ds:uri="71af3243-3dd4-4a8d-8c0d-dd76da1f02a5"/>
+    <ds:schemaRef ds:uri="http://schemas.microsoft.com/VisualStudio/2011/storyboarding/control"/>
   </ds:schemaRefs>
 </ds:datastoreItem>
 </file>
@@ -19059,9 +19045,11 @@
 </file>
 
 <file path=customXml/itemProps3.xml><?xml version="1.0" encoding="utf-8"?>
-<ds:datastoreItem xmlns:ds="http://schemas.openxmlformats.org/officeDocument/2006/customXml" ds:itemID="{888FE6CC-C35F-4D7D-96BC-0C675F88EC6B}">
+<ds:datastoreItem xmlns:ds="http://schemas.openxmlformats.org/officeDocument/2006/customXml" ds:itemID="{2519797F-2510-4681-A59B-FCD8F3733FE0}">
   <ds:schemaRefs>
-    <ds:schemaRef ds:uri="http://schemas.microsoft.com/VisualStudio/2011/storyboarding/control"/>
+    <ds:schemaRef ds:uri="http://schemas.microsoft.com/office/2006/metadata/properties"/>
+    <ds:schemaRef ds:uri="http://schemas.microsoft.com/office/infopath/2007/PartnerControls"/>
+    <ds:schemaRef ds:uri="71af3243-3dd4-4a8d-8c0d-dd76da1f02a5"/>
   </ds:schemaRefs>
 </ds:datastoreItem>
 </file>

--- a/ASP.NET Core MVC.pptx
+++ b/ASP.NET Core MVC.pptx
@@ -213,7 +213,7 @@
           <a:p>
             <a:fld id="{0AEFB4FA-E877-413E-B608-88789D806C57}" type="datetimeFigureOut">
               <a:rPr lang="en-IN" smtClean="0"/>
-              <a:t>04-01-2019</a:t>
+              <a:t>05-01-2019</a:t>
             </a:fld>
             <a:endParaRPr lang="en-IN" dirty="0"/>
           </a:p>
@@ -16154,7 +16154,7 @@
           <a:p>
             <a:fld id="{D951F27F-98F9-A147-8986-34441C7B752D}" type="datetime1">
               <a:rPr lang="en-IN" smtClean="0"/>
-              <a:t>04-01-2019</a:t>
+              <a:t>05-01-2019</a:t>
             </a:fld>
             <a:endParaRPr lang="en-IN" dirty="0"/>
           </a:p>
@@ -17676,27 +17676,113 @@
           <a:lstStyle/>
           <a:p>
             <a:r>
-              <a:rPr lang="zh-CN" altLang="en-US" dirty="0"/>
-              <a:t>注册</a:t>
+              <a:rPr lang="en-US" dirty="0" err="1"/>
+              <a:t>RequireAssertion</a:t>
+            </a:r>
+            <a:endParaRPr lang="en-US" dirty="0"/>
+          </a:p>
+          <a:p>
+            <a:r>
+              <a:rPr lang="en-US" altLang="zh-CN" dirty="0" err="1"/>
+              <a:t>AddRequirements</a:t>
+            </a:r>
+            <a:endParaRPr lang="en-US" altLang="zh-CN" dirty="0"/>
+          </a:p>
+          <a:p>
+            <a:pPr lvl="1"/>
+            <a:r>
+              <a:rPr lang="en-US" altLang="zh-CN" dirty="0" err="1"/>
+              <a:t>IAuthorizationRequirement</a:t>
+            </a:r>
+            <a:endParaRPr lang="en-US" altLang="zh-CN" dirty="0"/>
+          </a:p>
+          <a:p>
+            <a:pPr lvl="2"/>
+            <a:r>
+              <a:rPr lang="en-US" altLang="zh-CN" dirty="0" err="1"/>
+              <a:t>AuthorizationHandler</a:t>
             </a:r>
             <a:r>
               <a:rPr lang="en-US" altLang="zh-CN" dirty="0"/>
-              <a:t>policy</a:t>
+              <a:t>&lt;</a:t>
             </a:r>
-          </a:p>
-          <a:p>
             <a:r>
-              <a:rPr lang="zh-CN" altLang="en-US" dirty="0"/>
-              <a:t>使用</a:t>
+              <a:rPr lang="en-US" altLang="zh-CN" dirty="0" err="1"/>
+              <a:t>TIAuthorizationRequirement</a:t>
             </a:r>
             <a:r>
               <a:rPr lang="en-US" altLang="zh-CN" dirty="0"/>
-              <a:t>policy</a:t>
+              <a:t> &gt;</a:t>
+            </a:r>
+          </a:p>
+          <a:p>
+            <a:pPr lvl="2"/>
+            <a:r>
+              <a:rPr lang="en-US" altLang="zh-CN" dirty="0" err="1"/>
+              <a:t>AuthorizationHandler</a:t>
             </a:r>
             <a:r>
-              <a:rPr lang="zh-CN" altLang="en-US"/>
-              <a:t>进行授权</a:t>
+              <a:rPr lang="en-US" altLang="zh-CN" dirty="0"/>
+              <a:t>&lt;</a:t>
             </a:r>
+            <a:r>
+              <a:rPr lang="en-US" altLang="zh-CN" dirty="0" err="1"/>
+              <a:t>TIAuthorizationRequirement</a:t>
+            </a:r>
+            <a:r>
+              <a:rPr lang="en-US" altLang="zh-CN" dirty="0"/>
+              <a:t> &gt;</a:t>
+            </a:r>
+          </a:p>
+          <a:p>
+            <a:pPr lvl="2"/>
+            <a:r>
+              <a:rPr lang="en-US" altLang="zh-CN" dirty="0"/>
+              <a:t>…</a:t>
+            </a:r>
+          </a:p>
+          <a:p>
+            <a:pPr lvl="2"/>
+            <a:r>
+              <a:rPr lang="zh-CN" altLang="en-US" dirty="0"/>
+              <a:t>如果一个</a:t>
+            </a:r>
+            <a:r>
+              <a:rPr lang="en-US" altLang="zh-CN" dirty="0"/>
+              <a:t>Handler</a:t>
+            </a:r>
+            <a:r>
+              <a:rPr lang="zh-CN" altLang="en-US" dirty="0"/>
+              <a:t>返回</a:t>
+            </a:r>
+            <a:r>
+              <a:rPr lang="en-US" altLang="zh-CN" dirty="0"/>
+              <a:t>Succeed</a:t>
+            </a:r>
+            <a:r>
+              <a:rPr lang="zh-CN" altLang="en-US" dirty="0"/>
+              <a:t>，而其它的都没返回</a:t>
+            </a:r>
+            <a:r>
+              <a:rPr lang="en-US" altLang="zh-CN" dirty="0"/>
+              <a:t>Fail</a:t>
+            </a:r>
+            <a:r>
+              <a:rPr lang="zh-CN" altLang="en-US" dirty="0"/>
+              <a:t>，那么这个</a:t>
+            </a:r>
+            <a:r>
+              <a:rPr lang="en-US" altLang="zh-CN" dirty="0"/>
+              <a:t>Requirement</a:t>
+            </a:r>
+            <a:r>
+              <a:rPr lang="zh-CN" altLang="en-US" dirty="0"/>
+              <a:t>就被满足了。</a:t>
+            </a:r>
+            <a:endParaRPr lang="en-US" altLang="zh-CN" dirty="0"/>
+          </a:p>
+          <a:p>
+            <a:pPr lvl="1"/>
             <a:endParaRPr lang="en-US" altLang="zh-CN" dirty="0"/>
           </a:p>
         </p:txBody>
@@ -17728,7 +17814,7 @@
             </a:r>
             <a:r>
               <a:rPr lang="zh-CN" altLang="en-US" dirty="0"/>
-              <a:t>策略</a:t>
+              <a:t>自定义</a:t>
             </a:r>
             <a:endParaRPr lang="en-US" dirty="0"/>
           </a:p>
@@ -18790,9 +18876,11 @@
 </file>
 
 <file path=customXml/item1.xml><?xml version="1.0" encoding="utf-8"?>
-<Control xmlns="http://schemas.microsoft.com/VisualStudio/2011/storyboarding/control">
-  <Id Name="6173540a-c5fd-4d8e-b0a3-674280ed5e8e" Revision="1" Stencil="System.MyShapes" StencilVersion="1.0"/>
-</Control>
+<p:properties xmlns:p="http://schemas.microsoft.com/office/2006/metadata/properties" xmlns:xsi="http://www.w3.org/2001/XMLSchema-instance" xmlns:pc="http://schemas.microsoft.com/office/infopath/2007/PartnerControls">
+  <documentManagement>
+    <MediaServiceKeyPoints xmlns="71af3243-3dd4-4a8d-8c0d-dd76da1f02a5" xsi:nil="true"/>
+  </documentManagement>
+</p:properties>
 </file>
 
 <file path=customXml/item2.xml><?xml version="1.0" encoding="utf-8"?>
@@ -19001,11 +19089,9 @@
 </file>
 
 <file path=customXml/item3.xml><?xml version="1.0" encoding="utf-8"?>
-<p:properties xmlns:p="http://schemas.microsoft.com/office/2006/metadata/properties" xmlns:xsi="http://www.w3.org/2001/XMLSchema-instance" xmlns:pc="http://schemas.microsoft.com/office/infopath/2007/PartnerControls">
-  <documentManagement>
-    <MediaServiceKeyPoints xmlns="71af3243-3dd4-4a8d-8c0d-dd76da1f02a5" xsi:nil="true"/>
-  </documentManagement>
-</p:properties>
+<Control xmlns="http://schemas.microsoft.com/VisualStudio/2011/storyboarding/control">
+  <Id Name="6173540a-c5fd-4d8e-b0a3-674280ed5e8e" Revision="1" Stencil="System.MyShapes" StencilVersion="1.0"/>
+</Control>
 </file>
 
 <file path=customXml/item4.xml><?xml version="1.0" encoding="utf-8"?>
@@ -19018,9 +19104,11 @@
 </file>
 
 <file path=customXml/itemProps1.xml><?xml version="1.0" encoding="utf-8"?>
-<ds:datastoreItem xmlns:ds="http://schemas.openxmlformats.org/officeDocument/2006/customXml" ds:itemID="{888FE6CC-C35F-4D7D-96BC-0C675F88EC6B}">
+<ds:datastoreItem xmlns:ds="http://schemas.openxmlformats.org/officeDocument/2006/customXml" ds:itemID="{2519797F-2510-4681-A59B-FCD8F3733FE0}">
   <ds:schemaRefs>
-    <ds:schemaRef ds:uri="http://schemas.microsoft.com/VisualStudio/2011/storyboarding/control"/>
+    <ds:schemaRef ds:uri="http://schemas.microsoft.com/office/2006/metadata/properties"/>
+    <ds:schemaRef ds:uri="http://schemas.microsoft.com/office/infopath/2007/PartnerControls"/>
+    <ds:schemaRef ds:uri="71af3243-3dd4-4a8d-8c0d-dd76da1f02a5"/>
   </ds:schemaRefs>
 </ds:datastoreItem>
 </file>
@@ -19045,11 +19133,9 @@
 </file>
 
 <file path=customXml/itemProps3.xml><?xml version="1.0" encoding="utf-8"?>
-<ds:datastoreItem xmlns:ds="http://schemas.openxmlformats.org/officeDocument/2006/customXml" ds:itemID="{2519797F-2510-4681-A59B-FCD8F3733FE0}">
+<ds:datastoreItem xmlns:ds="http://schemas.openxmlformats.org/officeDocument/2006/customXml" ds:itemID="{888FE6CC-C35F-4D7D-96BC-0C675F88EC6B}">
   <ds:schemaRefs>
-    <ds:schemaRef ds:uri="http://schemas.microsoft.com/office/2006/metadata/properties"/>
-    <ds:schemaRef ds:uri="http://schemas.microsoft.com/office/infopath/2007/PartnerControls"/>
-    <ds:schemaRef ds:uri="71af3243-3dd4-4a8d-8c0d-dd76da1f02a5"/>
+    <ds:schemaRef ds:uri="http://schemas.microsoft.com/VisualStudio/2011/storyboarding/control"/>
   </ds:schemaRefs>
 </ds:datastoreItem>
 </file>
